--- a/Clustering with K-Means.pptx
+++ b/Clustering with K-Means.pptx
@@ -1174,7 +1174,7 @@
           <a:p>
             <a:fld id="{BD327606-F89A-423B-8E91-320DA6453691}" type="datetimeFigureOut">
               <a:rPr lang="en-US" smtClean="0"/>
-              <a:t>12-Jan-19</a:t>
+              <a:t>03-Nov-19</a:t>
             </a:fld>
             <a:endParaRPr lang="en-US"/>
           </a:p>
@@ -1372,7 +1372,7 @@
           <a:p>
             <a:fld id="{BD327606-F89A-423B-8E91-320DA6453691}" type="datetimeFigureOut">
               <a:rPr lang="en-US" smtClean="0"/>
-              <a:t>12-Jan-19</a:t>
+              <a:t>03-Nov-19</a:t>
             </a:fld>
             <a:endParaRPr lang="en-US"/>
           </a:p>
@@ -1580,7 +1580,7 @@
           <a:p>
             <a:fld id="{BD327606-F89A-423B-8E91-320DA6453691}" type="datetimeFigureOut">
               <a:rPr lang="en-US" smtClean="0"/>
-              <a:t>12-Jan-19</a:t>
+              <a:t>03-Nov-19</a:t>
             </a:fld>
             <a:endParaRPr lang="en-US"/>
           </a:p>
@@ -1778,7 +1778,7 @@
           <a:p>
             <a:fld id="{BD327606-F89A-423B-8E91-320DA6453691}" type="datetimeFigureOut">
               <a:rPr lang="en-US" smtClean="0"/>
-              <a:t>12-Jan-19</a:t>
+              <a:t>03-Nov-19</a:t>
             </a:fld>
             <a:endParaRPr lang="en-US"/>
           </a:p>
@@ -2053,7 +2053,7 @@
           <a:p>
             <a:fld id="{BD327606-F89A-423B-8E91-320DA6453691}" type="datetimeFigureOut">
               <a:rPr lang="en-US" smtClean="0"/>
-              <a:t>12-Jan-19</a:t>
+              <a:t>03-Nov-19</a:t>
             </a:fld>
             <a:endParaRPr lang="en-US"/>
           </a:p>
@@ -2318,7 +2318,7 @@
           <a:p>
             <a:fld id="{BD327606-F89A-423B-8E91-320DA6453691}" type="datetimeFigureOut">
               <a:rPr lang="en-US" smtClean="0"/>
-              <a:t>12-Jan-19</a:t>
+              <a:t>03-Nov-19</a:t>
             </a:fld>
             <a:endParaRPr lang="en-US"/>
           </a:p>
@@ -2730,7 +2730,7 @@
           <a:p>
             <a:fld id="{BD327606-F89A-423B-8E91-320DA6453691}" type="datetimeFigureOut">
               <a:rPr lang="en-US" smtClean="0"/>
-              <a:t>12-Jan-19</a:t>
+              <a:t>03-Nov-19</a:t>
             </a:fld>
             <a:endParaRPr lang="en-US"/>
           </a:p>
@@ -2871,7 +2871,7 @@
           <a:p>
             <a:fld id="{BD327606-F89A-423B-8E91-320DA6453691}" type="datetimeFigureOut">
               <a:rPr lang="en-US" smtClean="0"/>
-              <a:t>12-Jan-19</a:t>
+              <a:t>03-Nov-19</a:t>
             </a:fld>
             <a:endParaRPr lang="en-US"/>
           </a:p>
@@ -2984,7 +2984,7 @@
           <a:p>
             <a:fld id="{BD327606-F89A-423B-8E91-320DA6453691}" type="datetimeFigureOut">
               <a:rPr lang="en-US" smtClean="0"/>
-              <a:t>12-Jan-19</a:t>
+              <a:t>03-Nov-19</a:t>
             </a:fld>
             <a:endParaRPr lang="en-US"/>
           </a:p>
@@ -3295,7 +3295,7 @@
           <a:p>
             <a:fld id="{BD327606-F89A-423B-8E91-320DA6453691}" type="datetimeFigureOut">
               <a:rPr lang="en-US" smtClean="0"/>
-              <a:t>12-Jan-19</a:t>
+              <a:t>03-Nov-19</a:t>
             </a:fld>
             <a:endParaRPr lang="en-US"/>
           </a:p>
@@ -3583,7 +3583,7 @@
           <a:p>
             <a:fld id="{BD327606-F89A-423B-8E91-320DA6453691}" type="datetimeFigureOut">
               <a:rPr lang="en-US" smtClean="0"/>
-              <a:t>12-Jan-19</a:t>
+              <a:t>03-Nov-19</a:t>
             </a:fld>
             <a:endParaRPr lang="en-US"/>
           </a:p>
@@ -3824,7 +3824,7 @@
           <a:p>
             <a:fld id="{BD327606-F89A-423B-8E91-320DA6453691}" type="datetimeFigureOut">
               <a:rPr lang="en-US" smtClean="0"/>
-              <a:t>12-Jan-19</a:t>
+              <a:t>03-Nov-19</a:t>
             </a:fld>
             <a:endParaRPr lang="en-US"/>
           </a:p>
@@ -4297,6 +4297,44 @@
           </a:p>
         </p:txBody>
       </p:sp>
+      <p:sp>
+        <p:nvSpPr>
+          <p:cNvPr id="4" name="TextBox 3">
+            <a:extLst>
+              <a:ext uri="{FF2B5EF4-FFF2-40B4-BE49-F238E27FC236}">
+                <a16:creationId xmlns:a16="http://schemas.microsoft.com/office/drawing/2014/main" id="{5B86F96D-559B-4165-B7AD-E74801098059}"/>
+              </a:ext>
+            </a:extLst>
+          </p:cNvPr>
+          <p:cNvSpPr txBox="1"/>
+          <p:nvPr/>
+        </p:nvSpPr>
+        <p:spPr>
+          <a:xfrm>
+            <a:off x="4118994" y="4060587"/>
+            <a:ext cx="4488110" cy="338554"/>
+          </a:xfrm>
+          <a:prstGeom prst="rect">
+            <a:avLst/>
+          </a:prstGeom>
+          <a:noFill/>
+        </p:spPr>
+        <p:txBody>
+          <a:bodyPr wrap="square" rtlCol="0">
+            <a:spAutoFit/>
+          </a:bodyPr>
+          <a:lstStyle/>
+          <a:p>
+            <a:r>
+              <a:rPr lang="en-US" sz="1600" dirty="0">
+                <a:hlinkClick r:id="rId2"/>
+              </a:rPr>
+              <a:t>https://github.com/sahilmanekia/kmeansNYC</a:t>
+            </a:r>
+            <a:endParaRPr lang="en-US" sz="1600" dirty="0"/>
+          </a:p>
+        </p:txBody>
+      </p:sp>
     </p:spTree>
     <p:extLst>
       <p:ext uri="{BB962C8B-B14F-4D97-AF65-F5344CB8AC3E}">
@@ -4357,6 +4395,344 @@
           </a:prstGeom>
         </p:spPr>
       </p:pic>
+      <p:sp>
+        <p:nvSpPr>
+          <p:cNvPr id="3" name="Freeform: Shape 2">
+            <a:extLst>
+              <a:ext uri="{FF2B5EF4-FFF2-40B4-BE49-F238E27FC236}">
+                <a16:creationId xmlns:a16="http://schemas.microsoft.com/office/drawing/2014/main" id="{6DA21192-1FB5-4061-8E33-DD8ABCA30592}"/>
+              </a:ext>
+            </a:extLst>
+          </p:cNvPr>
+          <p:cNvSpPr/>
+          <p:nvPr/>
+        </p:nvSpPr>
+        <p:spPr>
+          <a:xfrm>
+            <a:off x="2323750" y="1182848"/>
+            <a:ext cx="2952925" cy="3246539"/>
+          </a:xfrm>
+          <a:custGeom>
+            <a:avLst/>
+            <a:gdLst>
+              <a:gd name="connsiteX0" fmla="*/ 33556 w 2952925"/>
+              <a:gd name="connsiteY0" fmla="*/ 0 h 3246539"/>
+              <a:gd name="connsiteX1" fmla="*/ 0 w 2952925"/>
+              <a:gd name="connsiteY1" fmla="*/ 3246539 h 3246539"/>
+              <a:gd name="connsiteX2" fmla="*/ 2952925 w 2952925"/>
+              <a:gd name="connsiteY2" fmla="*/ 1895912 h 3246539"/>
+              <a:gd name="connsiteX3" fmla="*/ 1208015 w 2952925"/>
+              <a:gd name="connsiteY3" fmla="*/ 8389 h 3246539"/>
+              <a:gd name="connsiteX4" fmla="*/ 33556 w 2952925"/>
+              <a:gd name="connsiteY4" fmla="*/ 0 h 3246539"/>
+            </a:gdLst>
+            <a:ahLst/>
+            <a:cxnLst>
+              <a:cxn ang="0">
+                <a:pos x="connsiteX0" y="connsiteY0"/>
+              </a:cxn>
+              <a:cxn ang="0">
+                <a:pos x="connsiteX1" y="connsiteY1"/>
+              </a:cxn>
+              <a:cxn ang="0">
+                <a:pos x="connsiteX2" y="connsiteY2"/>
+              </a:cxn>
+              <a:cxn ang="0">
+                <a:pos x="connsiteX3" y="connsiteY3"/>
+              </a:cxn>
+              <a:cxn ang="0">
+                <a:pos x="connsiteX4" y="connsiteY4"/>
+              </a:cxn>
+            </a:cxnLst>
+            <a:rect l="l" t="t" r="r" b="b"/>
+            <a:pathLst>
+              <a:path w="2952925" h="3246539">
+                <a:moveTo>
+                  <a:pt x="33556" y="0"/>
+                </a:moveTo>
+                <a:lnTo>
+                  <a:pt x="0" y="3246539"/>
+                </a:lnTo>
+                <a:lnTo>
+                  <a:pt x="2952925" y="1895912"/>
+                </a:lnTo>
+                <a:lnTo>
+                  <a:pt x="1208015" y="8389"/>
+                </a:lnTo>
+                <a:lnTo>
+                  <a:pt x="33556" y="0"/>
+                </a:lnTo>
+                <a:close/>
+              </a:path>
+            </a:pathLst>
+          </a:custGeom>
+          <a:noFill/>
+        </p:spPr>
+        <p:style>
+          <a:lnRef idx="2">
+            <a:schemeClr val="accent1">
+              <a:shade val="50000"/>
+            </a:schemeClr>
+          </a:lnRef>
+          <a:fillRef idx="1">
+            <a:schemeClr val="accent1"/>
+          </a:fillRef>
+          <a:effectRef idx="0">
+            <a:schemeClr val="accent1"/>
+          </a:effectRef>
+          <a:fontRef idx="minor">
+            <a:schemeClr val="lt1"/>
+          </a:fontRef>
+        </p:style>
+        <p:txBody>
+          <a:bodyPr rtlCol="0" anchor="ctr"/>
+          <a:lstStyle/>
+          <a:p>
+            <a:pPr algn="ctr"/>
+            <a:endParaRPr lang="en-US"/>
+          </a:p>
+        </p:txBody>
+      </p:sp>
+      <p:sp>
+        <p:nvSpPr>
+          <p:cNvPr id="8" name="Freeform: Shape 7">
+            <a:extLst>
+              <a:ext uri="{FF2B5EF4-FFF2-40B4-BE49-F238E27FC236}">
+                <a16:creationId xmlns:a16="http://schemas.microsoft.com/office/drawing/2014/main" id="{18B8446B-57D6-453D-BD17-CED95185598B}"/>
+              </a:ext>
+            </a:extLst>
+          </p:cNvPr>
+          <p:cNvSpPr/>
+          <p:nvPr/>
+        </p:nvSpPr>
+        <p:spPr>
+          <a:xfrm>
+            <a:off x="4790114" y="1191237"/>
+            <a:ext cx="3473042" cy="1451295"/>
+          </a:xfrm>
+          <a:custGeom>
+            <a:avLst/>
+            <a:gdLst>
+              <a:gd name="connsiteX0" fmla="*/ 0 w 3473042"/>
+              <a:gd name="connsiteY0" fmla="*/ 0 h 1451295"/>
+              <a:gd name="connsiteX1" fmla="*/ 1199625 w 3473042"/>
+              <a:gd name="connsiteY1" fmla="*/ 1442906 h 1451295"/>
+              <a:gd name="connsiteX2" fmla="*/ 3473042 w 3473042"/>
+              <a:gd name="connsiteY2" fmla="*/ 1451295 h 1451295"/>
+              <a:gd name="connsiteX3" fmla="*/ 3464653 w 3473042"/>
+              <a:gd name="connsiteY3" fmla="*/ 25167 h 1451295"/>
+              <a:gd name="connsiteX4" fmla="*/ 0 w 3473042"/>
+              <a:gd name="connsiteY4" fmla="*/ 0 h 1451295"/>
+            </a:gdLst>
+            <a:ahLst/>
+            <a:cxnLst>
+              <a:cxn ang="0">
+                <a:pos x="connsiteX0" y="connsiteY0"/>
+              </a:cxn>
+              <a:cxn ang="0">
+                <a:pos x="connsiteX1" y="connsiteY1"/>
+              </a:cxn>
+              <a:cxn ang="0">
+                <a:pos x="connsiteX2" y="connsiteY2"/>
+              </a:cxn>
+              <a:cxn ang="0">
+                <a:pos x="connsiteX3" y="connsiteY3"/>
+              </a:cxn>
+              <a:cxn ang="0">
+                <a:pos x="connsiteX4" y="connsiteY4"/>
+              </a:cxn>
+            </a:cxnLst>
+            <a:rect l="l" t="t" r="r" b="b"/>
+            <a:pathLst>
+              <a:path w="3473042" h="1451295">
+                <a:moveTo>
+                  <a:pt x="0" y="0"/>
+                </a:moveTo>
+                <a:lnTo>
+                  <a:pt x="1199625" y="1442906"/>
+                </a:lnTo>
+                <a:lnTo>
+                  <a:pt x="3473042" y="1451295"/>
+                </a:lnTo>
+                <a:cubicBezTo>
+                  <a:pt x="3470246" y="975919"/>
+                  <a:pt x="3467449" y="500543"/>
+                  <a:pt x="3464653" y="25167"/>
+                </a:cubicBezTo>
+                <a:lnTo>
+                  <a:pt x="0" y="0"/>
+                </a:lnTo>
+                <a:close/>
+              </a:path>
+            </a:pathLst>
+          </a:custGeom>
+          <a:noFill/>
+          <a:ln>
+            <a:solidFill>
+              <a:srgbClr val="FF0000"/>
+            </a:solidFill>
+          </a:ln>
+        </p:spPr>
+        <p:style>
+          <a:lnRef idx="2">
+            <a:schemeClr val="accent1">
+              <a:shade val="50000"/>
+            </a:schemeClr>
+          </a:lnRef>
+          <a:fillRef idx="1">
+            <a:schemeClr val="accent1"/>
+          </a:fillRef>
+          <a:effectRef idx="0">
+            <a:schemeClr val="accent1"/>
+          </a:effectRef>
+          <a:fontRef idx="minor">
+            <a:schemeClr val="lt1"/>
+          </a:fontRef>
+        </p:style>
+        <p:txBody>
+          <a:bodyPr rtlCol="0" anchor="ctr"/>
+          <a:lstStyle/>
+          <a:p>
+            <a:pPr algn="ctr"/>
+            <a:endParaRPr lang="en-US"/>
+          </a:p>
+        </p:txBody>
+      </p:sp>
+      <p:sp>
+        <p:nvSpPr>
+          <p:cNvPr id="9" name="Freeform: Shape 8">
+            <a:extLst>
+              <a:ext uri="{FF2B5EF4-FFF2-40B4-BE49-F238E27FC236}">
+                <a16:creationId xmlns:a16="http://schemas.microsoft.com/office/drawing/2014/main" id="{C28B8EF6-93B7-4C99-9308-FC73EE4342BD}"/>
+              </a:ext>
+            </a:extLst>
+          </p:cNvPr>
+          <p:cNvSpPr/>
+          <p:nvPr/>
+        </p:nvSpPr>
+        <p:spPr>
+          <a:xfrm>
+            <a:off x="2776756" y="3431097"/>
+            <a:ext cx="5972961" cy="2088859"/>
+          </a:xfrm>
+          <a:custGeom>
+            <a:avLst/>
+            <a:gdLst>
+              <a:gd name="connsiteX0" fmla="*/ 16778 w 5972961"/>
+              <a:gd name="connsiteY0" fmla="*/ 1954635 h 2088859"/>
+              <a:gd name="connsiteX1" fmla="*/ 1711354 w 5972961"/>
+              <a:gd name="connsiteY1" fmla="*/ 604008 h 2088859"/>
+              <a:gd name="connsiteX2" fmla="*/ 2944536 w 5972961"/>
+              <a:gd name="connsiteY2" fmla="*/ 612397 h 2088859"/>
+              <a:gd name="connsiteX3" fmla="*/ 3187816 w 5972961"/>
+              <a:gd name="connsiteY3" fmla="*/ 0 h 2088859"/>
+              <a:gd name="connsiteX4" fmla="*/ 4991450 w 5972961"/>
+              <a:gd name="connsiteY4" fmla="*/ 8389 h 2088859"/>
+              <a:gd name="connsiteX5" fmla="*/ 5956183 w 5972961"/>
+              <a:gd name="connsiteY5" fmla="*/ 729842 h 2088859"/>
+              <a:gd name="connsiteX6" fmla="*/ 5972961 w 5972961"/>
+              <a:gd name="connsiteY6" fmla="*/ 2088859 h 2088859"/>
+              <a:gd name="connsiteX7" fmla="*/ 0 w 5972961"/>
+              <a:gd name="connsiteY7" fmla="*/ 2080470 h 2088859"/>
+              <a:gd name="connsiteX8" fmla="*/ 16778 w 5972961"/>
+              <a:gd name="connsiteY8" fmla="*/ 1954635 h 2088859"/>
+            </a:gdLst>
+            <a:ahLst/>
+            <a:cxnLst>
+              <a:cxn ang="0">
+                <a:pos x="connsiteX0" y="connsiteY0"/>
+              </a:cxn>
+              <a:cxn ang="0">
+                <a:pos x="connsiteX1" y="connsiteY1"/>
+              </a:cxn>
+              <a:cxn ang="0">
+                <a:pos x="connsiteX2" y="connsiteY2"/>
+              </a:cxn>
+              <a:cxn ang="0">
+                <a:pos x="connsiteX3" y="connsiteY3"/>
+              </a:cxn>
+              <a:cxn ang="0">
+                <a:pos x="connsiteX4" y="connsiteY4"/>
+              </a:cxn>
+              <a:cxn ang="0">
+                <a:pos x="connsiteX5" y="connsiteY5"/>
+              </a:cxn>
+              <a:cxn ang="0">
+                <a:pos x="connsiteX6" y="connsiteY6"/>
+              </a:cxn>
+              <a:cxn ang="0">
+                <a:pos x="connsiteX7" y="connsiteY7"/>
+              </a:cxn>
+              <a:cxn ang="0">
+                <a:pos x="connsiteX8" y="connsiteY8"/>
+              </a:cxn>
+            </a:cxnLst>
+            <a:rect l="l" t="t" r="r" b="b"/>
+            <a:pathLst>
+              <a:path w="5972961" h="2088859">
+                <a:moveTo>
+                  <a:pt x="16778" y="1954635"/>
+                </a:moveTo>
+                <a:lnTo>
+                  <a:pt x="1711354" y="604008"/>
+                </a:lnTo>
+                <a:lnTo>
+                  <a:pt x="2944536" y="612397"/>
+                </a:lnTo>
+                <a:lnTo>
+                  <a:pt x="3187816" y="0"/>
+                </a:lnTo>
+                <a:lnTo>
+                  <a:pt x="4991450" y="8389"/>
+                </a:lnTo>
+                <a:lnTo>
+                  <a:pt x="5956183" y="729842"/>
+                </a:lnTo>
+                <a:lnTo>
+                  <a:pt x="5972961" y="2088859"/>
+                </a:lnTo>
+                <a:lnTo>
+                  <a:pt x="0" y="2080470"/>
+                </a:lnTo>
+                <a:lnTo>
+                  <a:pt x="16778" y="1954635"/>
+                </a:lnTo>
+                <a:close/>
+              </a:path>
+            </a:pathLst>
+          </a:custGeom>
+          <a:noFill/>
+          <a:ln>
+            <a:solidFill>
+              <a:schemeClr val="accent6"/>
+            </a:solidFill>
+          </a:ln>
+        </p:spPr>
+        <p:style>
+          <a:lnRef idx="2">
+            <a:schemeClr val="accent1">
+              <a:shade val="50000"/>
+            </a:schemeClr>
+          </a:lnRef>
+          <a:fillRef idx="1">
+            <a:schemeClr val="accent1"/>
+          </a:fillRef>
+          <a:effectRef idx="0">
+            <a:schemeClr val="accent1"/>
+          </a:effectRef>
+          <a:fontRef idx="minor">
+            <a:schemeClr val="lt1"/>
+          </a:fontRef>
+        </p:style>
+        <p:txBody>
+          <a:bodyPr rtlCol="0" anchor="ctr"/>
+          <a:lstStyle/>
+          <a:p>
+            <a:pPr algn="ctr"/>
+            <a:endParaRPr lang="en-US"/>
+          </a:p>
+        </p:txBody>
+      </p:sp>
     </p:spTree>
     <p:extLst>
       <p:ext uri="{BB962C8B-B14F-4D97-AF65-F5344CB8AC3E}">
@@ -4680,7 +5056,7 @@
           <a:p>
             <a:r>
               <a:rPr lang="en-US" dirty="0"/>
-              <a:t>Once the new centroids are created and points are reassigned</a:t>
+              <a:t>Once the new centroids are created the points are reassigned</a:t>
             </a:r>
           </a:p>
           <a:p>
@@ -5027,7 +5403,7 @@
             </a:r>
             <a:r>
               <a:rPr lang="en-US" dirty="0"/>
-              <a:t>based on a cluster is a collection of feature values which define the resulting groups.</a:t>
+              <a:t>based on the position of the new centroid</a:t>
             </a:r>
           </a:p>
           <a:p>
@@ -5932,7 +6308,7 @@
           <a:lstStyle/>
           <a:p>
             <a:r>
-              <a:rPr lang="en-US" b="1">
+              <a:rPr lang="en-US" b="1" dirty="0">
                 <a:solidFill>
                   <a:schemeClr val="accent1">
                     <a:lumMod val="75000"/>
@@ -5942,34 +6318,32 @@
               <a:t>Researcher</a:t>
             </a:r>
             <a:r>
-              <a:rPr lang="en-US"/>
+              <a:rPr lang="en-US" dirty="0"/>
               <a:t> with organizations in health and education</a:t>
             </a:r>
           </a:p>
           <a:p>
-            <a:endParaRPr lang="en-US"/>
-          </a:p>
-          <a:p>
-            <a:r>
-              <a:rPr lang="en-US"/>
-              <a:t>Program evaluator and </a:t>
-            </a:r>
-            <a:r>
-              <a:rPr lang="en-US" b="1">
-                <a:solidFill>
-                  <a:schemeClr val="accent1">
-                    <a:lumMod val="75000"/>
-                  </a:schemeClr>
-                </a:solidFill>
-              </a:rPr>
-              <a:t>cofounder</a:t>
-            </a:r>
-            <a:r>
-              <a:rPr lang="en-US"/>
-              <a:t> of the new </a:t>
-            </a:r>
-            <a:r>
-              <a:rPr lang="en-US" b="1">
+            <a:endParaRPr lang="en-US" dirty="0"/>
+          </a:p>
+          <a:p>
+            <a:r>
+              <a:rPr lang="en-US" dirty="0"/>
+              <a:t>Program evaluator within healthcare and Ed [Teach for India]</a:t>
+            </a:r>
+          </a:p>
+          <a:p>
+            <a:pPr marL="0" indent="0">
+              <a:buNone/>
+            </a:pPr>
+            <a:endParaRPr lang="en-US" dirty="0"/>
+          </a:p>
+          <a:p>
+            <a:r>
+              <a:rPr lang="en-US" dirty="0"/>
+              <a:t>Check out the </a:t>
+            </a:r>
+            <a:r>
+              <a:rPr lang="en-US" b="1" dirty="0">
                 <a:solidFill>
                   <a:schemeClr val="accent1">
                     <a:lumMod val="75000"/>
@@ -5980,7 +6354,7 @@
             </a:r>
           </a:p>
           <a:p>
-            <a:endParaRPr lang="en-US" b="1">
+            <a:endParaRPr lang="en-US" b="1" dirty="0">
               <a:solidFill>
                 <a:schemeClr val="accent1">
                   <a:lumMod val="75000"/>
@@ -5990,7 +6364,7 @@
           </a:p>
           <a:p>
             <a:r>
-              <a:rPr lang="en-US" b="1">
+              <a:rPr lang="en-US" b="1" dirty="0">
                 <a:solidFill>
                   <a:schemeClr val="accent1">
                     <a:lumMod val="75000"/>
@@ -6000,18 +6374,18 @@
               <a:t>Stats </a:t>
             </a:r>
             <a:r>
-              <a:rPr lang="en-US"/>
-              <a:t>at Columbia – SIPA</a:t>
+              <a:rPr lang="en-US" dirty="0"/>
+              <a:t>at Columbia U– SIPA</a:t>
             </a:r>
           </a:p>
           <a:p>
             <a:pPr marL="0" indent="0">
               <a:buNone/>
             </a:pPr>
-            <a:endParaRPr lang="en-US"/>
-          </a:p>
-          <a:p>
-            <a:endParaRPr lang="en-US"/>
+            <a:endParaRPr lang="en-US" dirty="0"/>
+          </a:p>
+          <a:p>
+            <a:endParaRPr lang="en-US" dirty="0"/>
           </a:p>
           <a:p>
             <a:pPr marL="0" indent="0">
@@ -6985,9 +7359,14 @@
         </p:nvSpPr>
         <p:spPr/>
         <p:txBody>
-          <a:bodyPr/>
-          <a:lstStyle/>
-          <a:p>
+          <a:bodyPr>
+            <a:normAutofit/>
+          </a:bodyPr>
+          <a:lstStyle/>
+          <a:p>
+            <a:pPr marL="0" indent="0">
+              <a:buNone/>
+            </a:pPr>
             <a:r>
               <a:rPr lang="en-US" b="1" dirty="0">
                 <a:solidFill>
@@ -7026,8 +7405,20 @@
           <a:p>
             <a:r>
               <a:rPr lang="en-US" dirty="0"/>
-              <a:t>Work with data or data analysis?</a:t>
-            </a:r>
+              <a:t>Work with data or data analysis for a machine learning model?</a:t>
+            </a:r>
+          </a:p>
+          <a:p>
+            <a:pPr marL="0" indent="0">
+              <a:buNone/>
+            </a:pPr>
+            <a:endParaRPr lang="en-US" dirty="0"/>
+          </a:p>
+          <a:p>
+            <a:pPr marL="0" indent="0">
+              <a:buNone/>
+            </a:pPr>
+            <a:endParaRPr lang="en-US" dirty="0"/>
           </a:p>
           <a:p>
             <a:endParaRPr lang="en-US" dirty="0"/>
@@ -7119,16 +7510,34 @@
             </a:r>
           </a:p>
           <a:p>
+            <a:pPr marL="0" indent="0">
+              <a:buNone/>
+            </a:pPr>
+            <a:endParaRPr lang="en-US" dirty="0"/>
+          </a:p>
+          <a:p>
             <a:r>
               <a:rPr lang="en-US" dirty="0"/>
               <a:t>It is meant to be used for quantitative variables – it takes that input and outputs categories or a cluster</a:t>
             </a:r>
           </a:p>
           <a:p>
+            <a:pPr marL="0" indent="0">
+              <a:buNone/>
+            </a:pPr>
+            <a:endParaRPr lang="en-US" dirty="0"/>
+          </a:p>
+          <a:p>
             <a:r>
               <a:rPr lang="en-US" dirty="0"/>
               <a:t>Not a measure of truth or relationship</a:t>
             </a:r>
+          </a:p>
+          <a:p>
+            <a:pPr marL="0" indent="0">
+              <a:buNone/>
+            </a:pPr>
+            <a:endParaRPr lang="en-US" dirty="0"/>
           </a:p>
           <a:p>
             <a:r>
